--- a/documentation/3d_chess_dmas_Sept_6.pptx
+++ b/documentation/3d_chess_dmas_Sept_6.pptx
@@ -208,7 +208,7 @@
           <a:p>
             <a:fld id="{95997608-F877-A844-A447-8F4AE0FF71C9}" type="datetimeFigureOut">
               <a:rPr lang="en-US" smtClean="0"/>
-              <a:t>9/8/2022</a:t>
+              <a:t>9/12/22</a:t>
             </a:fld>
             <a:endParaRPr lang="en-US"/>
           </a:p>
@@ -9882,8 +9882,8 @@
         </p:nvSpPr>
         <p:spPr>
           <a:xfrm>
-            <a:off x="2903162" y="1115370"/>
-            <a:ext cx="8176318" cy="5183541"/>
+            <a:off x="1698089" y="1115370"/>
+            <a:ext cx="8052471" cy="5183541"/>
           </a:xfrm>
           <a:prstGeom prst="roundRect">
             <a:avLst>
@@ -9948,7 +9948,7 @@
         </p:nvSpPr>
         <p:spPr>
           <a:xfrm rot="16200000">
-            <a:off x="694088" y="2233073"/>
+            <a:off x="-510985" y="2233073"/>
             <a:ext cx="2154955" cy="435998"/>
           </a:xfrm>
           <a:prstGeom prst="roundRect">
@@ -10011,7 +10011,7 @@
         </p:nvSpPr>
         <p:spPr>
           <a:xfrm rot="16200000">
-            <a:off x="781959" y="4774286"/>
+            <a:off x="-423114" y="4774286"/>
             <a:ext cx="1979210" cy="435998"/>
           </a:xfrm>
           <a:prstGeom prst="roundRect">
@@ -10074,7 +10074,7 @@
         </p:nvSpPr>
         <p:spPr>
           <a:xfrm>
-            <a:off x="2903160" y="1854201"/>
+            <a:off x="1698087" y="1854201"/>
             <a:ext cx="368765" cy="364777"/>
           </a:xfrm>
           <a:prstGeom prst="rect">
@@ -10135,7 +10135,7 @@
         </p:nvSpPr>
         <p:spPr>
           <a:xfrm>
-            <a:off x="2903160" y="2652859"/>
+            <a:off x="1698087" y="2652859"/>
             <a:ext cx="368765" cy="364777"/>
           </a:xfrm>
           <a:prstGeom prst="rect">
@@ -10196,7 +10196,7 @@
         </p:nvSpPr>
         <p:spPr>
           <a:xfrm>
-            <a:off x="2903160" y="4357079"/>
+            <a:off x="1698087" y="4357079"/>
             <a:ext cx="368765" cy="364777"/>
           </a:xfrm>
           <a:prstGeom prst="rect">
@@ -10257,7 +10257,7 @@
         </p:nvSpPr>
         <p:spPr>
           <a:xfrm>
-            <a:off x="2903160" y="5155737"/>
+            <a:off x="1698087" y="5155737"/>
             <a:ext cx="368765" cy="364777"/>
           </a:xfrm>
           <a:prstGeom prst="rect">
@@ -10318,7 +10318,7 @@
         </p:nvSpPr>
         <p:spPr>
           <a:xfrm>
-            <a:off x="3528229" y="2446945"/>
+            <a:off x="2323156" y="2446945"/>
             <a:ext cx="4289582" cy="3786754"/>
           </a:xfrm>
           <a:prstGeom prst="roundRect">
@@ -10385,7 +10385,7 @@
         </p:nvSpPr>
         <p:spPr>
           <a:xfrm>
-            <a:off x="9153362" y="3236808"/>
+            <a:off x="7948289" y="3236808"/>
             <a:ext cx="1307237" cy="307489"/>
           </a:xfrm>
           <a:prstGeom prst="roundRect">
@@ -10446,7 +10446,7 @@
         </p:nvSpPr>
         <p:spPr>
           <a:xfrm>
-            <a:off x="9159611" y="4331887"/>
+            <a:off x="7954538" y="4331887"/>
             <a:ext cx="1307237" cy="307489"/>
           </a:xfrm>
           <a:prstGeom prst="roundRect">
@@ -10510,7 +10510,7 @@
         </p:nvCxnSpPr>
         <p:spPr>
           <a:xfrm flipH="1" flipV="1">
-            <a:off x="1985345" y="2835247"/>
+            <a:off x="780272" y="2835247"/>
             <a:ext cx="922031" cy="738"/>
           </a:xfrm>
           <a:prstGeom prst="straightConnector1">
@@ -10553,7 +10553,7 @@
         </p:nvCxnSpPr>
         <p:spPr>
           <a:xfrm flipH="1" flipV="1">
-            <a:off x="1981128" y="2056519"/>
+            <a:off x="776055" y="2056519"/>
             <a:ext cx="922031" cy="738"/>
           </a:xfrm>
           <a:prstGeom prst="straightConnector1">
@@ -10594,7 +10594,7 @@
         </p:nvSpPr>
         <p:spPr>
           <a:xfrm>
-            <a:off x="1952756" y="1704789"/>
+            <a:off x="747683" y="1704789"/>
             <a:ext cx="987207" cy="307777"/>
           </a:xfrm>
           <a:prstGeom prst="rect">
@@ -10651,7 +10651,7 @@
         </p:nvCxnSpPr>
         <p:spPr>
           <a:xfrm flipH="1" flipV="1">
-            <a:off x="1977662" y="5337387"/>
+            <a:off x="772589" y="5337387"/>
             <a:ext cx="922031" cy="738"/>
           </a:xfrm>
           <a:prstGeom prst="straightConnector1">
@@ -10692,7 +10692,7 @@
         </p:nvSpPr>
         <p:spPr>
           <a:xfrm>
-            <a:off x="1949785" y="3706975"/>
+            <a:off x="744712" y="3706975"/>
             <a:ext cx="1025045" cy="846386"/>
           </a:xfrm>
           <a:prstGeom prst="rect">
@@ -10773,7 +10773,7 @@
         </p:nvSpPr>
         <p:spPr>
           <a:xfrm>
-            <a:off x="1959483" y="5386693"/>
+            <a:off x="754410" y="5386693"/>
             <a:ext cx="987207" cy="846386"/>
           </a:xfrm>
           <a:prstGeom prst="rect">
@@ -10856,7 +10856,7 @@
         </p:nvCxnSpPr>
         <p:spPr>
           <a:xfrm flipH="1" flipV="1">
-            <a:off x="1979394" y="4538729"/>
+            <a:off x="774321" y="4538729"/>
             <a:ext cx="922031" cy="738"/>
           </a:xfrm>
           <a:prstGeom prst="straightConnector1">
@@ -10900,7 +10900,7 @@
         </p:nvCxnSpPr>
         <p:spPr>
           <a:xfrm flipH="1">
-            <a:off x="3271925" y="4538729"/>
+            <a:off x="2066852" y="4538729"/>
             <a:ext cx="370038" cy="739"/>
           </a:xfrm>
           <a:prstGeom prst="straightConnector1">
@@ -10944,7 +10944,7 @@
         </p:nvCxnSpPr>
         <p:spPr>
           <a:xfrm flipH="1">
-            <a:off x="3271925" y="5337387"/>
+            <a:off x="2066852" y="5337387"/>
             <a:ext cx="374588" cy="739"/>
           </a:xfrm>
           <a:prstGeom prst="straightConnector1">
@@ -10989,7 +10989,7 @@
         </p:nvCxnSpPr>
         <p:spPr>
           <a:xfrm>
-            <a:off x="9806981" y="3544297"/>
+            <a:off x="8601908" y="3544297"/>
             <a:ext cx="6249" cy="787590"/>
           </a:xfrm>
           <a:prstGeom prst="straightConnector1">
@@ -11030,7 +11030,7 @@
         </p:nvSpPr>
         <p:spPr>
           <a:xfrm>
-            <a:off x="4779103" y="1593032"/>
+            <a:off x="3574030" y="1593032"/>
             <a:ext cx="1139027" cy="385750"/>
           </a:xfrm>
           <a:prstGeom prst="rect">
@@ -11093,7 +11093,7 @@
         </p:nvSpPr>
         <p:spPr>
           <a:xfrm>
-            <a:off x="6716144" y="1592469"/>
+            <a:off x="5511071" y="1592469"/>
             <a:ext cx="1139027" cy="385750"/>
           </a:xfrm>
           <a:prstGeom prst="rect">
@@ -11160,7 +11160,7 @@
         </p:nvCxnSpPr>
         <p:spPr>
           <a:xfrm flipV="1">
-            <a:off x="3271925" y="1785907"/>
+            <a:off x="2066852" y="1785907"/>
             <a:ext cx="1507178" cy="250683"/>
           </a:xfrm>
           <a:prstGeom prst="bentConnector3">
@@ -11206,7 +11206,7 @@
         </p:nvCxnSpPr>
         <p:spPr>
           <a:xfrm flipH="1">
-            <a:off x="5918130" y="1785344"/>
+            <a:off x="4713057" y="1785344"/>
             <a:ext cx="798014" cy="563"/>
           </a:xfrm>
           <a:prstGeom prst="straightConnector1">
@@ -11247,7 +11247,7 @@
         </p:nvSpPr>
         <p:spPr>
           <a:xfrm>
-            <a:off x="4655776" y="1263627"/>
+            <a:off x="3450703" y="1263627"/>
             <a:ext cx="3281173" cy="902555"/>
           </a:xfrm>
           <a:prstGeom prst="roundRect">
@@ -11308,7 +11308,7 @@
         </p:nvSpPr>
         <p:spPr>
           <a:xfrm>
-            <a:off x="5918130" y="1489479"/>
+            <a:off x="4713057" y="1489479"/>
             <a:ext cx="675212" cy="338554"/>
           </a:xfrm>
           <a:prstGeom prst="rect">
@@ -11350,7 +11350,7 @@
         </p:nvSpPr>
         <p:spPr>
           <a:xfrm>
-            <a:off x="9804723" y="3633862"/>
+            <a:off x="8599650" y="3633862"/>
             <a:ext cx="1283265" cy="630942"/>
           </a:xfrm>
           <a:prstGeom prst="rect">
@@ -11418,7 +11418,7 @@
         </p:nvSpPr>
         <p:spPr>
           <a:xfrm rot="16200000">
-            <a:off x="3234767" y="4761449"/>
+            <a:off x="2029694" y="4761449"/>
             <a:ext cx="1181448" cy="357955"/>
           </a:xfrm>
           <a:prstGeom prst="roundRect">
@@ -11480,7 +11480,7 @@
         </p:nvSpPr>
         <p:spPr>
           <a:xfrm>
-            <a:off x="4475429" y="2878232"/>
+            <a:off x="3270356" y="2878232"/>
             <a:ext cx="3038481" cy="3157979"/>
           </a:xfrm>
           <a:prstGeom prst="roundRect">
@@ -11541,7 +11541,7 @@
         </p:nvSpPr>
         <p:spPr>
           <a:xfrm>
-            <a:off x="5298616" y="5574315"/>
+            <a:off x="4093543" y="5574315"/>
             <a:ext cx="670590" cy="311140"/>
           </a:xfrm>
           <a:prstGeom prst="roundRect">
@@ -11603,7 +11603,7 @@
         </p:nvSpPr>
         <p:spPr>
           <a:xfrm>
-            <a:off x="3791386" y="3451605"/>
+            <a:off x="2586313" y="3451605"/>
             <a:ext cx="454488" cy="738664"/>
           </a:xfrm>
           <a:prstGeom prst="rect">
@@ -11662,7 +11662,7 @@
         </p:nvCxnSpPr>
         <p:spPr>
           <a:xfrm rot="16200000" flipH="1">
-            <a:off x="7440684" y="2766706"/>
+            <a:off x="6235611" y="2766706"/>
             <a:ext cx="588956" cy="2848897"/>
           </a:xfrm>
           <a:prstGeom prst="bentConnector4">
@@ -11706,7 +11706,7 @@
         </p:nvSpPr>
         <p:spPr>
           <a:xfrm>
-            <a:off x="7992880" y="3531526"/>
+            <a:off x="6787807" y="3531526"/>
             <a:ext cx="1042484" cy="954107"/>
           </a:xfrm>
           <a:prstGeom prst="rect">
@@ -11804,7 +11804,7 @@
         </p:nvCxnSpPr>
         <p:spPr>
           <a:xfrm rot="16200000" flipH="1">
-            <a:off x="7774885" y="2012077"/>
+            <a:off x="6569812" y="2012077"/>
             <a:ext cx="86893" cy="2670059"/>
           </a:xfrm>
           <a:prstGeom prst="bentConnector4">
@@ -11848,7 +11848,7 @@
         </p:nvSpPr>
         <p:spPr>
           <a:xfrm>
-            <a:off x="7958946" y="4575010"/>
+            <a:off x="6753873" y="4575010"/>
             <a:ext cx="1263041" cy="415498"/>
           </a:xfrm>
           <a:prstGeom prst="rect">
@@ -11916,7 +11916,7 @@
         </p:nvSpPr>
         <p:spPr>
           <a:xfrm>
-            <a:off x="4760582" y="3535786"/>
+            <a:off x="3555509" y="3535786"/>
             <a:ext cx="667620" cy="238442"/>
           </a:xfrm>
           <a:prstGeom prst="roundRect">
@@ -11978,7 +11978,7 @@
         </p:nvSpPr>
         <p:spPr>
           <a:xfrm>
-            <a:off x="4438604" y="4467724"/>
+            <a:off x="3233531" y="4467724"/>
             <a:ext cx="921859" cy="200055"/>
           </a:xfrm>
           <a:prstGeom prst="rect">
@@ -12020,7 +12020,7 @@
         </p:nvSpPr>
         <p:spPr>
           <a:xfrm>
-            <a:off x="6270979" y="4511305"/>
+            <a:off x="5065906" y="4511305"/>
             <a:ext cx="697205" cy="630942"/>
           </a:xfrm>
           <a:prstGeom prst="rect">
@@ -12075,7 +12075,7 @@
         </p:nvSpPr>
         <p:spPr>
           <a:xfrm>
-            <a:off x="7970709" y="2986401"/>
+            <a:off x="6765636" y="2986401"/>
             <a:ext cx="1327619" cy="415498"/>
           </a:xfrm>
           <a:prstGeom prst="rect">
@@ -12130,7 +12130,7 @@
         </p:nvSpPr>
         <p:spPr>
           <a:xfrm>
-            <a:off x="5298616" y="5182556"/>
+            <a:off x="4093543" y="5182556"/>
             <a:ext cx="670590" cy="311140"/>
           </a:xfrm>
           <a:prstGeom prst="roundRect">
@@ -12197,7 +12197,7 @@
         </p:nvSpPr>
         <p:spPr>
           <a:xfrm>
-            <a:off x="5298616" y="4790798"/>
+            <a:off x="4093543" y="4790798"/>
             <a:ext cx="670590" cy="311140"/>
           </a:xfrm>
           <a:prstGeom prst="roundRect">
@@ -12259,7 +12259,7 @@
         </p:nvSpPr>
         <p:spPr>
           <a:xfrm>
-            <a:off x="5298616" y="4399040"/>
+            <a:off x="4093543" y="4399040"/>
             <a:ext cx="670590" cy="311140"/>
           </a:xfrm>
           <a:prstGeom prst="roundRect">
@@ -12321,7 +12321,7 @@
         </p:nvSpPr>
         <p:spPr>
           <a:xfrm>
-            <a:off x="4695758" y="3197788"/>
+            <a:off x="3490685" y="3197788"/>
             <a:ext cx="2575259" cy="1090749"/>
           </a:xfrm>
           <a:prstGeom prst="roundRect">
@@ -12392,7 +12392,7 @@
         </p:nvSpPr>
         <p:spPr>
           <a:xfrm>
-            <a:off x="6149493" y="3303660"/>
+            <a:off x="4944420" y="3303660"/>
             <a:ext cx="667620" cy="295890"/>
           </a:xfrm>
           <a:prstGeom prst="roundRect">
@@ -12454,7 +12454,7 @@
         </p:nvSpPr>
         <p:spPr>
           <a:xfrm>
-            <a:off x="5976904" y="3896676"/>
+            <a:off x="4771831" y="3896676"/>
             <a:ext cx="667620" cy="248121"/>
           </a:xfrm>
           <a:prstGeom prst="roundRect">
@@ -12520,7 +12520,7 @@
         </p:nvCxnSpPr>
         <p:spPr>
           <a:xfrm rot="10800000" flipH="1">
-            <a:off x="5298616" y="4020738"/>
+            <a:off x="4093543" y="4020738"/>
             <a:ext cx="678288" cy="533873"/>
           </a:xfrm>
           <a:prstGeom prst="bentConnector3">
@@ -12567,7 +12567,7 @@
         </p:nvCxnSpPr>
         <p:spPr>
           <a:xfrm rot="10800000" flipH="1">
-            <a:off x="5298616" y="4020738"/>
+            <a:off x="4093543" y="4020738"/>
             <a:ext cx="678288" cy="925631"/>
           </a:xfrm>
           <a:prstGeom prst="bentConnector3">
@@ -12614,7 +12614,7 @@
         </p:nvCxnSpPr>
         <p:spPr>
           <a:xfrm rot="10800000" flipH="1">
-            <a:off x="5298616" y="4020738"/>
+            <a:off x="4093543" y="4020738"/>
             <a:ext cx="678288" cy="1317389"/>
           </a:xfrm>
           <a:prstGeom prst="bentConnector3">
@@ -12661,7 +12661,7 @@
         </p:nvCxnSpPr>
         <p:spPr>
           <a:xfrm rot="10800000" flipH="1">
-            <a:off x="5298616" y="4020737"/>
+            <a:off x="4093543" y="4020737"/>
             <a:ext cx="678288" cy="1709148"/>
           </a:xfrm>
           <a:prstGeom prst="bentConnector3">
@@ -12708,7 +12708,7 @@
         </p:nvCxnSpPr>
         <p:spPr>
           <a:xfrm rot="5400000">
-            <a:off x="5935054" y="4178949"/>
+            <a:off x="4729981" y="4178949"/>
             <a:ext cx="409813" cy="341508"/>
           </a:xfrm>
           <a:prstGeom prst="bentConnector2">
@@ -12753,7 +12753,7 @@
         </p:nvCxnSpPr>
         <p:spPr>
           <a:xfrm rot="5400000">
-            <a:off x="5739175" y="4374828"/>
+            <a:off x="4534102" y="4374828"/>
             <a:ext cx="801571" cy="341508"/>
           </a:xfrm>
           <a:prstGeom prst="bentConnector2">
@@ -12798,7 +12798,7 @@
         </p:nvCxnSpPr>
         <p:spPr>
           <a:xfrm rot="5400000">
-            <a:off x="5543296" y="4570707"/>
+            <a:off x="4338223" y="4570707"/>
             <a:ext cx="1193329" cy="341508"/>
           </a:xfrm>
           <a:prstGeom prst="bentConnector2">
@@ -12843,7 +12843,7 @@
         </p:nvCxnSpPr>
         <p:spPr>
           <a:xfrm rot="5400000">
-            <a:off x="5347416" y="4766587"/>
+            <a:off x="4142343" y="4766587"/>
             <a:ext cx="1585088" cy="341508"/>
           </a:xfrm>
           <a:prstGeom prst="bentConnector2">
@@ -12887,7 +12887,7 @@
         </p:nvCxnSpPr>
         <p:spPr>
           <a:xfrm rot="10800000">
-            <a:off x="4004469" y="4940428"/>
+            <a:off x="2799396" y="4940428"/>
             <a:ext cx="1294150" cy="515497"/>
           </a:xfrm>
           <a:prstGeom prst="bentConnector3">
@@ -12933,7 +12933,7 @@
         </p:nvCxnSpPr>
         <p:spPr>
           <a:xfrm flipH="1">
-            <a:off x="5975694" y="3451605"/>
+            <a:off x="4770621" y="3451605"/>
             <a:ext cx="841419" cy="2413265"/>
           </a:xfrm>
           <a:prstGeom prst="bentConnector4">
@@ -12980,7 +12980,7 @@
         </p:nvCxnSpPr>
         <p:spPr>
           <a:xfrm flipH="1">
-            <a:off x="5973095" y="3451605"/>
+            <a:off x="4768022" y="3451605"/>
             <a:ext cx="844018" cy="2004317"/>
           </a:xfrm>
           <a:prstGeom prst="bentConnector4">
@@ -13027,7 +13027,7 @@
         </p:nvCxnSpPr>
         <p:spPr>
           <a:xfrm>
-            <a:off x="6644524" y="4020737"/>
+            <a:off x="5439451" y="4020737"/>
             <a:ext cx="2515087" cy="548563"/>
           </a:xfrm>
           <a:prstGeom prst="bentConnector3">
@@ -13073,7 +13073,7 @@
         </p:nvCxnSpPr>
         <p:spPr>
           <a:xfrm>
-            <a:off x="5428202" y="3655007"/>
+            <a:off x="4223129" y="3655007"/>
             <a:ext cx="541004" cy="255227"/>
           </a:xfrm>
           <a:prstGeom prst="bentConnector3">
@@ -13118,7 +13118,7 @@
         </p:nvCxnSpPr>
         <p:spPr>
           <a:xfrm rot="10800000">
-            <a:off x="5427020" y="3774228"/>
+            <a:off x="4221947" y="3774228"/>
             <a:ext cx="542191" cy="194164"/>
           </a:xfrm>
           <a:prstGeom prst="bentConnector3">
@@ -13161,7 +13161,7 @@
         </p:nvSpPr>
         <p:spPr>
           <a:xfrm>
-            <a:off x="6339715" y="5268493"/>
+            <a:off x="5134642" y="5268493"/>
             <a:ext cx="779067" cy="200055"/>
           </a:xfrm>
           <a:prstGeom prst="rect">
@@ -13203,7 +13203,7 @@
         </p:nvSpPr>
         <p:spPr>
           <a:xfrm>
-            <a:off x="5122501" y="3999942"/>
+            <a:off x="3917428" y="3999942"/>
             <a:ext cx="756852" cy="415498"/>
           </a:xfrm>
           <a:prstGeom prst="rect">
@@ -13255,7 +13255,7 @@
         </p:nvSpPr>
         <p:spPr>
           <a:xfrm>
-            <a:off x="4505603" y="5404715"/>
+            <a:off x="3300530" y="5404715"/>
             <a:ext cx="697205" cy="200055"/>
           </a:xfrm>
           <a:prstGeom prst="rect">
@@ -13316,7 +13316,7 @@
         </p:nvSpPr>
         <p:spPr>
           <a:xfrm>
-            <a:off x="6305181" y="5818807"/>
+            <a:off x="5100108" y="5818807"/>
             <a:ext cx="841419" cy="200055"/>
           </a:xfrm>
           <a:prstGeom prst="rect">
@@ -13361,7 +13361,7 @@
         </p:nvCxnSpPr>
         <p:spPr>
           <a:xfrm rot="16200000" flipV="1">
-            <a:off x="5948569" y="3652530"/>
+            <a:off x="4743496" y="3652530"/>
             <a:ext cx="445071" cy="43222"/>
           </a:xfrm>
           <a:prstGeom prst="bentConnector4">
@@ -13405,7 +13405,7 @@
         </p:nvSpPr>
         <p:spPr>
           <a:xfrm>
-            <a:off x="5367689" y="3377951"/>
+            <a:off x="4162616" y="3377951"/>
             <a:ext cx="537449" cy="307777"/>
           </a:xfrm>
           <a:prstGeom prst="rect">
@@ -13447,7 +13447,7 @@
         </p:nvSpPr>
         <p:spPr>
           <a:xfrm>
-            <a:off x="4840049" y="3743520"/>
+            <a:off x="3634976" y="3743520"/>
             <a:ext cx="905251" cy="200055"/>
           </a:xfrm>
           <a:prstGeom prst="rect">
@@ -13492,7 +13492,7 @@
         </p:nvCxnSpPr>
         <p:spPr>
           <a:xfrm>
-            <a:off x="3271925" y="2835248"/>
+            <a:off x="2066852" y="2835248"/>
             <a:ext cx="2038279" cy="1844185"/>
           </a:xfrm>
           <a:prstGeom prst="bentConnector3">
@@ -13541,7 +13541,7 @@
         </p:nvCxnSpPr>
         <p:spPr>
           <a:xfrm>
-            <a:off x="3271925" y="2835248"/>
+            <a:off x="2066852" y="2835248"/>
             <a:ext cx="1084980" cy="2245264"/>
           </a:xfrm>
           <a:prstGeom prst="bentConnector2">
@@ -13587,7 +13587,7 @@
         </p:nvCxnSpPr>
         <p:spPr>
           <a:xfrm>
-            <a:off x="4372046" y="5067736"/>
+            <a:off x="3166973" y="5067736"/>
             <a:ext cx="920628" cy="0"/>
           </a:xfrm>
           <a:prstGeom prst="straightConnector1">
@@ -13634,7 +13634,7 @@
         </p:nvCxnSpPr>
         <p:spPr>
           <a:xfrm>
-            <a:off x="3271925" y="2835248"/>
+            <a:off x="2066852" y="2835248"/>
             <a:ext cx="1083060" cy="2449703"/>
           </a:xfrm>
           <a:prstGeom prst="bentConnector2">
@@ -13681,7 +13681,7 @@
         </p:nvCxnSpPr>
         <p:spPr>
           <a:xfrm>
-            <a:off x="3271925" y="2835248"/>
+            <a:off x="2066852" y="2835248"/>
             <a:ext cx="1081216" cy="3013025"/>
           </a:xfrm>
           <a:prstGeom prst="bentConnector2">
@@ -13727,7 +13727,7 @@
         </p:nvCxnSpPr>
         <p:spPr>
           <a:xfrm>
-            <a:off x="4375902" y="5837402"/>
+            <a:off x="3170829" y="5837402"/>
             <a:ext cx="920628" cy="0"/>
           </a:xfrm>
           <a:prstGeom prst="straightConnector1">
@@ -13771,7 +13771,7 @@
         </p:nvSpPr>
         <p:spPr>
           <a:xfrm>
-            <a:off x="4426093" y="5810551"/>
+            <a:off x="3221020" y="5810551"/>
             <a:ext cx="979266" cy="200055"/>
           </a:xfrm>
           <a:prstGeom prst="rect">
@@ -13817,7 +13817,7 @@
         </p:nvCxnSpPr>
         <p:spPr>
           <a:xfrm>
-            <a:off x="3271925" y="2835248"/>
+            <a:off x="2066852" y="2835248"/>
             <a:ext cx="553567" cy="1514455"/>
           </a:xfrm>
           <a:prstGeom prst="bentConnector2">
@@ -13861,7 +13861,7 @@
         </p:nvSpPr>
         <p:spPr>
           <a:xfrm>
-            <a:off x="4402477" y="4769211"/>
+            <a:off x="3197404" y="4769211"/>
             <a:ext cx="921859" cy="307777"/>
           </a:xfrm>
           <a:prstGeom prst="rect">
@@ -13919,7 +13919,7 @@
         </p:nvCxnSpPr>
         <p:spPr>
           <a:xfrm rot="5400000">
-            <a:off x="4424528" y="1911159"/>
+            <a:off x="3219455" y="1911159"/>
             <a:ext cx="856467" cy="991712"/>
           </a:xfrm>
           <a:prstGeom prst="bentConnector2">
@@ -13963,7 +13963,7 @@
         </p:nvSpPr>
         <p:spPr>
           <a:xfrm>
-            <a:off x="5757264" y="3300849"/>
+            <a:off x="4552191" y="3300849"/>
             <a:ext cx="625235" cy="200055"/>
           </a:xfrm>
           <a:prstGeom prst="rect">
@@ -13988,6 +13988,170 @@
               </a:rPr>
               <a:t>-State</a:t>
             </a:r>
+          </a:p>
+        </p:txBody>
+      </p:sp>
+      <p:sp>
+        <p:nvSpPr>
+          <p:cNvPr id="17" name="Rectangle 16">
+            <a:extLst>
+              <a:ext uri="{FF2B5EF4-FFF2-40B4-BE49-F238E27FC236}">
+                <a16:creationId xmlns:a16="http://schemas.microsoft.com/office/drawing/2014/main" id="{44021420-8184-0776-3DF6-4E0AAD29D4C8}"/>
+              </a:ext>
+            </a:extLst>
+          </p:cNvPr>
+          <p:cNvSpPr/>
+          <p:nvPr/>
+        </p:nvSpPr>
+        <p:spPr>
+          <a:xfrm>
+            <a:off x="10197620" y="2342347"/>
+            <a:ext cx="1849754" cy="3041239"/>
+          </a:xfrm>
+          <a:prstGeom prst="rect">
+            <a:avLst/>
+          </a:prstGeom>
+          <a:noFill/>
+          <a:ln>
+            <a:solidFill>
+              <a:schemeClr val="accent1"/>
+            </a:solidFill>
+          </a:ln>
+        </p:spPr>
+        <p:style>
+          <a:lnRef idx="2">
+            <a:schemeClr val="accent1">
+              <a:shade val="50000"/>
+            </a:schemeClr>
+          </a:lnRef>
+          <a:fillRef idx="1">
+            <a:schemeClr val="accent1"/>
+          </a:fillRef>
+          <a:effectRef idx="0">
+            <a:schemeClr val="accent1"/>
+          </a:effectRef>
+          <a:fontRef idx="minor">
+            <a:schemeClr val="lt1"/>
+          </a:fontRef>
+        </p:style>
+        <p:txBody>
+          <a:bodyPr rtlCol="0" anchor="t"/>
+          <a:lstStyle/>
+          <a:p>
+            <a:r>
+              <a:rPr lang="en-US" sz="1050" b="1" dirty="0">
+                <a:solidFill>
+                  <a:sysClr val="windowText" lastClr="000000"/>
+                </a:solidFill>
+              </a:rPr>
+              <a:t>Responsibilities:</a:t>
+            </a:r>
+          </a:p>
+          <a:p>
+            <a:r>
+              <a:rPr lang="en-US" sz="1050" b="1" dirty="0">
+                <a:solidFill>
+                  <a:sysClr val="windowText" lastClr="000000"/>
+                </a:solidFill>
+              </a:rPr>
+              <a:t>Platform Emulator</a:t>
+            </a:r>
+          </a:p>
+          <a:p>
+            <a:r>
+              <a:rPr lang="en-US" sz="1050" dirty="0">
+                <a:solidFill>
+                  <a:sysClr val="windowText" lastClr="000000"/>
+                </a:solidFill>
+              </a:rPr>
+              <a:t>CDH</a:t>
+            </a:r>
+          </a:p>
+          <a:p>
+            <a:r>
+              <a:rPr lang="en-US" sz="1050" dirty="0">
+                <a:solidFill>
+                  <a:sysClr val="windowText" lastClr="000000"/>
+                </a:solidFill>
+              </a:rPr>
+              <a:t>GNC</a:t>
+            </a:r>
+          </a:p>
+          <a:p>
+            <a:r>
+              <a:rPr lang="en-US" sz="1050" dirty="0">
+                <a:solidFill>
+                  <a:sysClr val="windowText" lastClr="000000"/>
+                </a:solidFill>
+              </a:rPr>
+              <a:t>EPS</a:t>
+            </a:r>
+          </a:p>
+          <a:p>
+            <a:r>
+              <a:rPr lang="en-US" sz="1050" dirty="0">
+                <a:solidFill>
+                  <a:sysClr val="windowText" lastClr="000000"/>
+                </a:solidFill>
+              </a:rPr>
+              <a:t>Comms</a:t>
+            </a:r>
+          </a:p>
+          <a:p>
+            <a:r>
+              <a:rPr lang="en-US" sz="1050" dirty="0">
+                <a:solidFill>
+                  <a:sysClr val="windowText" lastClr="000000"/>
+                </a:solidFill>
+              </a:rPr>
+              <a:t>Payload</a:t>
+            </a:r>
+          </a:p>
+          <a:p>
+            <a:endParaRPr lang="en-US" sz="1050" dirty="0">
+              <a:solidFill>
+                <a:sysClr val="windowText" lastClr="000000"/>
+              </a:solidFill>
+            </a:endParaRPr>
+          </a:p>
+          <a:p>
+            <a:r>
+              <a:rPr lang="en-US" sz="1050" b="1">
+                <a:solidFill>
+                  <a:sysClr val="windowText" lastClr="000000"/>
+                </a:solidFill>
+              </a:rPr>
+              <a:t>Network Emulator</a:t>
+            </a:r>
+            <a:endParaRPr lang="en-US" sz="1050" b="1" dirty="0">
+              <a:solidFill>
+                <a:sysClr val="windowText" lastClr="000000"/>
+              </a:solidFill>
+            </a:endParaRPr>
+          </a:p>
+          <a:p>
+            <a:r>
+              <a:rPr lang="en-US" sz="1050" dirty="0">
+                <a:solidFill>
+                  <a:sysClr val="windowText" lastClr="000000"/>
+                </a:solidFill>
+              </a:rPr>
+              <a:t>CDH</a:t>
+            </a:r>
+          </a:p>
+          <a:p>
+            <a:endParaRPr lang="en-US" sz="1050" dirty="0">
+              <a:solidFill>
+                <a:sysClr val="windowText" lastClr="000000"/>
+              </a:solidFill>
+            </a:endParaRPr>
+          </a:p>
+          <a:p>
+            <a:endParaRPr lang="en-US" sz="1050" dirty="0">
+              <a:solidFill>
+                <a:sysClr val="windowText" lastClr="000000"/>
+              </a:solidFill>
+            </a:endParaRPr>
           </a:p>
         </p:txBody>
       </p:sp>
